--- a/Bloque 4 - Creación de la UI/Taller16 - UI con C#.pptx
+++ b/Bloque 4 - Creación de la UI/Taller16 - UI con C#.pptx
@@ -6,11 +6,15 @@
     <p:sldMasterId id="2147483793" r:id="rId2"/>
   </p:sldMasterIdLst>
   <p:notesMasterIdLst>
-    <p:notesMasterId r:id="rId5"/>
+    <p:notesMasterId r:id="rId9"/>
   </p:notesMasterIdLst>
   <p:sldIdLst>
     <p:sldId id="291" r:id="rId3"/>
-    <p:sldId id="282" r:id="rId4"/>
+    <p:sldId id="2147469518" r:id="rId4"/>
+    <p:sldId id="2147469525" r:id="rId5"/>
+    <p:sldId id="2147469519" r:id="rId6"/>
+    <p:sldId id="2147469524" r:id="rId7"/>
+    <p:sldId id="282" r:id="rId8"/>
   </p:sldIdLst>
   <p:sldSz cx="12192000" cy="6858000"/>
   <p:notesSz cx="6858000" cy="9144000"/>
@@ -3449,7 +3453,7 @@
           <a:p>
             <a:fld id="{A334C884-B1D7-A043-A4AA-521744755A4B}" type="datetimeFigureOut">
               <a:rPr lang="en-US" smtClean="0"/>
-              <a:t>4/2/2022</a:t>
+              <a:t>5/15/2022</a:t>
             </a:fld>
             <a:endParaRPr lang="en-US"/>
           </a:p>
@@ -3835,7 +3839,7 @@
           <a:p>
             <a:fld id="{E74353ED-ACB2-44BF-A903-985B0AF962B7}" type="datetime1">
               <a:rPr lang="en-US" smtClean="0"/>
-              <a:t>4/2/2022</a:t>
+              <a:t>5/15/2022</a:t>
             </a:fld>
             <a:endParaRPr lang="en-US" dirty="0"/>
           </a:p>
@@ -3859,7 +3863,7 @@
             <a:fld id="{B4008EB6-D09E-4580-8CD6-DDB14511944F}" type="slidenum">
               <a:rPr lang="en-US" smtClean="0"/>
               <a:pPr/>
-              <a:t>2</a:t>
+              <a:t>6</a:t>
             </a:fld>
             <a:endParaRPr lang="en-US" dirty="0"/>
           </a:p>
@@ -6557,7 +6561,7 @@
           <a:p>
             <a:fld id="{0A627400-D089-7447-864B-77479EBD4214}" type="datetimeFigureOut">
               <a:rPr lang="en-US" smtClean="0"/>
-              <a:t>4/2/2022</a:t>
+              <a:t>5/15/2022</a:t>
             </a:fld>
             <a:endParaRPr lang="en-US"/>
           </a:p>
@@ -6755,7 +6759,7 @@
           <a:p>
             <a:fld id="{0A627400-D089-7447-864B-77479EBD4214}" type="datetimeFigureOut">
               <a:rPr lang="en-US" smtClean="0"/>
-              <a:t>4/2/2022</a:t>
+              <a:t>5/15/2022</a:t>
             </a:fld>
             <a:endParaRPr lang="en-US"/>
           </a:p>
@@ -7030,7 +7034,7 @@
           <a:p>
             <a:fld id="{0A627400-D089-7447-864B-77479EBD4214}" type="datetimeFigureOut">
               <a:rPr lang="en-US" smtClean="0"/>
-              <a:t>4/2/2022</a:t>
+              <a:t>5/15/2022</a:t>
             </a:fld>
             <a:endParaRPr lang="en-US"/>
           </a:p>
@@ -7295,7 +7299,7 @@
           <a:p>
             <a:fld id="{0A627400-D089-7447-864B-77479EBD4214}" type="datetimeFigureOut">
               <a:rPr lang="en-US" smtClean="0"/>
-              <a:t>4/2/2022</a:t>
+              <a:t>5/15/2022</a:t>
             </a:fld>
             <a:endParaRPr lang="en-US"/>
           </a:p>
@@ -7907,7 +7911,7 @@
           <a:p>
             <a:fld id="{0A627400-D089-7447-864B-77479EBD4214}" type="datetimeFigureOut">
               <a:rPr lang="en-US" smtClean="0"/>
-              <a:t>4/2/2022</a:t>
+              <a:t>5/15/2022</a:t>
             </a:fld>
             <a:endParaRPr lang="en-US"/>
           </a:p>
@@ -8113,7 +8117,7 @@
           <a:p>
             <a:fld id="{0A627400-D089-7447-864B-77479EBD4214}" type="datetimeFigureOut">
               <a:rPr lang="en-US" smtClean="0"/>
-              <a:t>4/2/2022</a:t>
+              <a:t>5/15/2022</a:t>
             </a:fld>
             <a:endParaRPr lang="en-US"/>
           </a:p>
@@ -8255,7 +8259,7 @@
             <a:fld id="{0A627400-D089-7447-864B-77479EBD4214}" type="datetimeFigureOut">
               <a:rPr lang="en-US" smtClean="0"/>
               <a:pPr/>
-              <a:t>4/2/2022</a:t>
+              <a:t>5/15/2022</a:t>
             </a:fld>
             <a:endParaRPr lang="en-US"/>
           </a:p>
@@ -8419,7 +8423,7 @@
           <a:p>
             <a:fld id="{0A627400-D089-7447-864B-77479EBD4214}" type="datetimeFigureOut">
               <a:rPr lang="en-US" smtClean="0"/>
-              <a:t>4/2/2022</a:t>
+              <a:t>5/15/2022</a:t>
             </a:fld>
             <a:endParaRPr lang="en-US"/>
           </a:p>
@@ -8532,7 +8536,7 @@
           <a:p>
             <a:fld id="{0A627400-D089-7447-864B-77479EBD4214}" type="datetimeFigureOut">
               <a:rPr lang="en-US" smtClean="0"/>
-              <a:t>4/2/2022</a:t>
+              <a:t>5/15/2022</a:t>
             </a:fld>
             <a:endParaRPr lang="en-US"/>
           </a:p>
@@ -8843,7 +8847,7 @@
           <a:p>
             <a:fld id="{0A627400-D089-7447-864B-77479EBD4214}" type="datetimeFigureOut">
               <a:rPr lang="en-US" smtClean="0"/>
-              <a:t>4/2/2022</a:t>
+              <a:t>5/15/2022</a:t>
             </a:fld>
             <a:endParaRPr lang="en-US"/>
           </a:p>
@@ -9131,7 +9135,7 @@
           <a:p>
             <a:fld id="{0A627400-D089-7447-864B-77479EBD4214}" type="datetimeFigureOut">
               <a:rPr lang="en-US" smtClean="0"/>
-              <a:t>4/2/2022</a:t>
+              <a:t>5/15/2022</a:t>
             </a:fld>
             <a:endParaRPr lang="en-US"/>
           </a:p>
@@ -11383,7 +11387,7 @@
             <a:fld id="{0A627400-D089-7447-864B-77479EBD4214}" type="datetimeFigureOut">
               <a:rPr lang="en-US" smtClean="0"/>
               <a:pPr/>
-              <a:t>4/2/2022</a:t>
+              <a:t>5/15/2022</a:t>
             </a:fld>
             <a:endParaRPr lang="en-US"/>
           </a:p>
@@ -12119,6 +12123,1178 @@
 </file>
 
 <file path=ppt/slides/slide2.xml><?xml version="1.0" encoding="utf-8"?>
+<p:sld xmlns:a="http://schemas.openxmlformats.org/drawingml/2006/main" xmlns:r="http://schemas.openxmlformats.org/officeDocument/2006/relationships" xmlns:p="http://schemas.openxmlformats.org/presentationml/2006/main">
+  <p:cSld>
+    <p:spTree>
+      <p:nvGrpSpPr>
+        <p:cNvPr id="1" name=""/>
+        <p:cNvGrpSpPr/>
+        <p:nvPr/>
+      </p:nvGrpSpPr>
+      <p:grpSpPr>
+        <a:xfrm>
+          <a:off x="0" y="0"/>
+          <a:ext cx="0" cy="0"/>
+          <a:chOff x="0" y="0"/>
+          <a:chExt cx="0" cy="0"/>
+        </a:xfrm>
+      </p:grpSpPr>
+      <p:sp>
+        <p:nvSpPr>
+          <p:cNvPr id="3" name="Title 2">
+            <a:extLst>
+              <a:ext uri="{FF2B5EF4-FFF2-40B4-BE49-F238E27FC236}">
+                <a16:creationId xmlns:a16="http://schemas.microsoft.com/office/drawing/2014/main" id="{652E2BA4-9FC0-4828-A940-3704183398DF}"/>
+              </a:ext>
+            </a:extLst>
+          </p:cNvPr>
+          <p:cNvSpPr>
+            <a:spLocks noGrp="1"/>
+          </p:cNvSpPr>
+          <p:nvPr>
+            <p:ph type="title"/>
+          </p:nvPr>
+        </p:nvSpPr>
+        <p:spPr/>
+        <p:txBody>
+          <a:bodyPr/>
+          <a:lstStyle/>
+          <a:p>
+            <a:r>
+              <a:rPr lang="es-ES" sz="7200" dirty="0">
+                <a:solidFill>
+                  <a:schemeClr val="bg1"/>
+                </a:solidFill>
+              </a:rPr>
+              <a:t>UI con código C#</a:t>
+            </a:r>
+            <a:endParaRPr lang="en-US" sz="7200" dirty="0">
+              <a:solidFill>
+                <a:schemeClr val="bg1"/>
+              </a:solidFill>
+            </a:endParaRPr>
+          </a:p>
+        </p:txBody>
+      </p:sp>
+    </p:spTree>
+    <p:extLst>
+      <p:ext uri="{BB962C8B-B14F-4D97-AF65-F5344CB8AC3E}">
+        <p14:creationId xmlns:p14="http://schemas.microsoft.com/office/powerpoint/2010/main" val="970838278"/>
+      </p:ext>
+    </p:extLst>
+  </p:cSld>
+  <p:clrMapOvr>
+    <a:masterClrMapping/>
+  </p:clrMapOvr>
+  <p:transition spd="med"/>
+</p:sld>
+</file>
+
+<file path=ppt/slides/slide3.xml><?xml version="1.0" encoding="utf-8"?>
+<p:sld xmlns:a="http://schemas.openxmlformats.org/drawingml/2006/main" xmlns:r="http://schemas.openxmlformats.org/officeDocument/2006/relationships" xmlns:p="http://schemas.openxmlformats.org/presentationml/2006/main">
+  <p:cSld>
+    <p:spTree>
+      <p:nvGrpSpPr>
+        <p:cNvPr id="1" name=""/>
+        <p:cNvGrpSpPr/>
+        <p:nvPr/>
+      </p:nvGrpSpPr>
+      <p:grpSpPr>
+        <a:xfrm>
+          <a:off x="0" y="0"/>
+          <a:ext cx="0" cy="0"/>
+          <a:chOff x="0" y="0"/>
+          <a:chExt cx="0" cy="0"/>
+        </a:xfrm>
+      </p:grpSpPr>
+      <p:sp>
+        <p:nvSpPr>
+          <p:cNvPr id="5" name="Title 1">
+            <a:extLst>
+              <a:ext uri="{FF2B5EF4-FFF2-40B4-BE49-F238E27FC236}">
+                <a16:creationId xmlns:a16="http://schemas.microsoft.com/office/drawing/2014/main" id="{01388D49-B47C-45BB-B53B-F6092580BE6E}"/>
+              </a:ext>
+            </a:extLst>
+          </p:cNvPr>
+          <p:cNvSpPr>
+            <a:spLocks noGrp="1"/>
+          </p:cNvSpPr>
+          <p:nvPr>
+            <p:ph type="title"/>
+          </p:nvPr>
+        </p:nvSpPr>
+        <p:spPr>
+          <a:xfrm>
+            <a:off x="457200" y="1123122"/>
+            <a:ext cx="7706412" cy="591378"/>
+          </a:xfrm>
+        </p:spPr>
+        <p:txBody>
+          <a:bodyPr>
+            <a:noAutofit/>
+          </a:bodyPr>
+          <a:lstStyle/>
+          <a:p>
+            <a:r>
+              <a:rPr lang="es-ES" sz="3200" dirty="0">
+                <a:latin typeface="Segoe UI Semibold"/>
+                <a:cs typeface="Segoe UI Semibold"/>
+              </a:rPr>
+              <a:t>Usando C#</a:t>
+            </a:r>
+            <a:endParaRPr lang="en-US" sz="3200" dirty="0"/>
+          </a:p>
+        </p:txBody>
+      </p:sp>
+      <p:sp>
+        <p:nvSpPr>
+          <p:cNvPr id="6" name="Content Placeholder 2">
+            <a:extLst>
+              <a:ext uri="{FF2B5EF4-FFF2-40B4-BE49-F238E27FC236}">
+                <a16:creationId xmlns:a16="http://schemas.microsoft.com/office/drawing/2014/main" id="{AC81F8B9-8203-4DB3-932F-AB15DF79780D}"/>
+              </a:ext>
+            </a:extLst>
+          </p:cNvPr>
+          <p:cNvSpPr txBox="1">
+            <a:spLocks/>
+          </p:cNvSpPr>
+          <p:nvPr/>
+        </p:nvSpPr>
+        <p:spPr>
+          <a:xfrm>
+            <a:off x="457200" y="2142642"/>
+            <a:ext cx="11222610" cy="459156"/>
+          </a:xfrm>
+          <a:prstGeom prst="rect">
+            <a:avLst/>
+          </a:prstGeom>
+        </p:spPr>
+        <p:txBody>
+          <a:bodyPr vert="horz" lIns="91440" tIns="45720" rIns="91440" bIns="45720" rtlCol="0" anchor="t">
+            <a:noAutofit/>
+          </a:bodyPr>
+          <a:lstStyle>
+            <a:lvl1pPr marL="336145" marR="0" indent="-336145" algn="l" defTabSz="914367" rtl="0" eaLnBrk="1" fontAlgn="auto" latinLnBrk="0" hangingPunct="1">
+              <a:lnSpc>
+                <a:spcPct val="90000"/>
+              </a:lnSpc>
+              <a:spcBef>
+                <a:spcPct val="20000"/>
+              </a:spcBef>
+              <a:spcAft>
+                <a:spcPts val="0"/>
+              </a:spcAft>
+              <a:buClrTx/>
+              <a:buSzPct val="90000"/>
+              <a:buFont typeface="Arial" pitchFamily="34" charset="0"/>
+              <a:buChar char="•"/>
+              <a:tabLst/>
+              <a:defRPr sz="3921" kern="1200" spc="0" baseline="0">
+                <a:gradFill>
+                  <a:gsLst>
+                    <a:gs pos="1250">
+                      <a:schemeClr val="tx1"/>
+                    </a:gs>
+                    <a:gs pos="100000">
+                      <a:schemeClr val="tx1"/>
+                    </a:gs>
+                  </a:gsLst>
+                  <a:lin ang="5400000" scaled="0"/>
+                </a:gradFill>
+                <a:latin typeface="+mj-lt"/>
+                <a:ea typeface="+mn-ea"/>
+                <a:cs typeface="+mn-cs"/>
+              </a:defRPr>
+            </a:lvl1pPr>
+            <a:lvl2pPr marL="572691" marR="0" indent="-236546" algn="l" defTabSz="914367" rtl="0" eaLnBrk="1" fontAlgn="auto" latinLnBrk="0" hangingPunct="1">
+              <a:lnSpc>
+                <a:spcPct val="90000"/>
+              </a:lnSpc>
+              <a:spcBef>
+                <a:spcPct val="20000"/>
+              </a:spcBef>
+              <a:spcAft>
+                <a:spcPts val="0"/>
+              </a:spcAft>
+              <a:buClrTx/>
+              <a:buSzPct val="90000"/>
+              <a:buFont typeface="Arial" pitchFamily="34" charset="0"/>
+              <a:buChar char="•"/>
+              <a:tabLst/>
+              <a:defRPr sz="2353" kern="1200" spc="0" baseline="0">
+                <a:gradFill>
+                  <a:gsLst>
+                    <a:gs pos="1250">
+                      <a:schemeClr val="tx1"/>
+                    </a:gs>
+                    <a:gs pos="100000">
+                      <a:schemeClr val="tx1"/>
+                    </a:gs>
+                  </a:gsLst>
+                  <a:lin ang="5400000" scaled="0"/>
+                </a:gradFill>
+                <a:latin typeface="+mn-lt"/>
+                <a:ea typeface="+mn-ea"/>
+                <a:cs typeface="+mn-cs"/>
+              </a:defRPr>
+            </a:lvl2pPr>
+            <a:lvl3pPr marL="784338" marR="0" indent="-224097" algn="l" defTabSz="914367" rtl="0" eaLnBrk="1" fontAlgn="auto" latinLnBrk="0" hangingPunct="1">
+              <a:lnSpc>
+                <a:spcPct val="90000"/>
+              </a:lnSpc>
+              <a:spcBef>
+                <a:spcPct val="20000"/>
+              </a:spcBef>
+              <a:spcAft>
+                <a:spcPts val="0"/>
+              </a:spcAft>
+              <a:buClrTx/>
+              <a:buSzPct val="90000"/>
+              <a:buFont typeface="Arial" pitchFamily="34" charset="0"/>
+              <a:buChar char="•"/>
+              <a:tabLst/>
+              <a:defRPr sz="1961" kern="1200" spc="0" baseline="0">
+                <a:gradFill>
+                  <a:gsLst>
+                    <a:gs pos="1250">
+                      <a:schemeClr val="tx1"/>
+                    </a:gs>
+                    <a:gs pos="100000">
+                      <a:schemeClr val="tx1"/>
+                    </a:gs>
+                  </a:gsLst>
+                  <a:lin ang="5400000" scaled="0"/>
+                </a:gradFill>
+                <a:latin typeface="+mn-lt"/>
+                <a:ea typeface="+mn-ea"/>
+                <a:cs typeface="+mn-cs"/>
+              </a:defRPr>
+            </a:lvl3pPr>
+            <a:lvl4pPr marL="1008435" marR="0" indent="-224097" algn="l" defTabSz="914367" rtl="0" eaLnBrk="1" fontAlgn="auto" latinLnBrk="0" hangingPunct="1">
+              <a:lnSpc>
+                <a:spcPct val="90000"/>
+              </a:lnSpc>
+              <a:spcBef>
+                <a:spcPct val="20000"/>
+              </a:spcBef>
+              <a:spcAft>
+                <a:spcPts val="0"/>
+              </a:spcAft>
+              <a:buClrTx/>
+              <a:buSzPct val="90000"/>
+              <a:buFont typeface="Arial" pitchFamily="34" charset="0"/>
+              <a:buChar char="•"/>
+              <a:tabLst/>
+              <a:defRPr sz="1765" kern="1200" spc="0" baseline="0">
+                <a:gradFill>
+                  <a:gsLst>
+                    <a:gs pos="1250">
+                      <a:schemeClr val="tx1"/>
+                    </a:gs>
+                    <a:gs pos="100000">
+                      <a:schemeClr val="tx1"/>
+                    </a:gs>
+                  </a:gsLst>
+                  <a:lin ang="5400000" scaled="0"/>
+                </a:gradFill>
+                <a:latin typeface="+mn-lt"/>
+                <a:ea typeface="+mn-ea"/>
+                <a:cs typeface="+mn-cs"/>
+              </a:defRPr>
+            </a:lvl4pPr>
+            <a:lvl5pPr marL="1232531" marR="0" indent="-224097" algn="l" defTabSz="914367" rtl="0" eaLnBrk="1" fontAlgn="auto" latinLnBrk="0" hangingPunct="1">
+              <a:lnSpc>
+                <a:spcPct val="90000"/>
+              </a:lnSpc>
+              <a:spcBef>
+                <a:spcPct val="20000"/>
+              </a:spcBef>
+              <a:spcAft>
+                <a:spcPts val="0"/>
+              </a:spcAft>
+              <a:buClrTx/>
+              <a:buSzPct val="90000"/>
+              <a:buFont typeface="Arial" pitchFamily="34" charset="0"/>
+              <a:buChar char="•"/>
+              <a:tabLst/>
+              <a:defRPr sz="1765" kern="1200" spc="0" baseline="0">
+                <a:gradFill>
+                  <a:gsLst>
+                    <a:gs pos="1250">
+                      <a:schemeClr val="tx1"/>
+                    </a:gs>
+                    <a:gs pos="100000">
+                      <a:schemeClr val="tx1"/>
+                    </a:gs>
+                  </a:gsLst>
+                  <a:lin ang="5400000" scaled="0"/>
+                </a:gradFill>
+                <a:latin typeface="+mn-lt"/>
+                <a:ea typeface="+mn-ea"/>
+                <a:cs typeface="+mn-cs"/>
+              </a:defRPr>
+            </a:lvl5pPr>
+            <a:lvl6pPr marL="2514509" indent="-228592" algn="l" defTabSz="914367" rtl="0" eaLnBrk="1" latinLnBrk="0" hangingPunct="1">
+              <a:spcBef>
+                <a:spcPct val="20000"/>
+              </a:spcBef>
+              <a:buFont typeface="Arial" pitchFamily="34" charset="0"/>
+              <a:buChar char="•"/>
+              <a:defRPr sz="1961" kern="1200">
+                <a:solidFill>
+                  <a:schemeClr val="tx1"/>
+                </a:solidFill>
+                <a:latin typeface="+mn-lt"/>
+                <a:ea typeface="+mn-ea"/>
+                <a:cs typeface="+mn-cs"/>
+              </a:defRPr>
+            </a:lvl6pPr>
+            <a:lvl7pPr marL="2971693" indent="-228592" algn="l" defTabSz="914367" rtl="0" eaLnBrk="1" latinLnBrk="0" hangingPunct="1">
+              <a:spcBef>
+                <a:spcPct val="20000"/>
+              </a:spcBef>
+              <a:buFont typeface="Arial" pitchFamily="34" charset="0"/>
+              <a:buChar char="•"/>
+              <a:defRPr sz="1961" kern="1200">
+                <a:solidFill>
+                  <a:schemeClr val="tx1"/>
+                </a:solidFill>
+                <a:latin typeface="+mn-lt"/>
+                <a:ea typeface="+mn-ea"/>
+                <a:cs typeface="+mn-cs"/>
+              </a:defRPr>
+            </a:lvl7pPr>
+            <a:lvl8pPr marL="3428877" indent="-228592" algn="l" defTabSz="914367" rtl="0" eaLnBrk="1" latinLnBrk="0" hangingPunct="1">
+              <a:spcBef>
+                <a:spcPct val="20000"/>
+              </a:spcBef>
+              <a:buFont typeface="Arial" pitchFamily="34" charset="0"/>
+              <a:buChar char="•"/>
+              <a:defRPr sz="1961" kern="1200">
+                <a:solidFill>
+                  <a:schemeClr val="tx1"/>
+                </a:solidFill>
+                <a:latin typeface="+mn-lt"/>
+                <a:ea typeface="+mn-ea"/>
+                <a:cs typeface="+mn-cs"/>
+              </a:defRPr>
+            </a:lvl8pPr>
+            <a:lvl9pPr marL="3886061" indent="-228592" algn="l" defTabSz="914367" rtl="0" eaLnBrk="1" latinLnBrk="0" hangingPunct="1">
+              <a:spcBef>
+                <a:spcPct val="20000"/>
+              </a:spcBef>
+              <a:buFont typeface="Arial" pitchFamily="34" charset="0"/>
+              <a:buChar char="•"/>
+              <a:defRPr sz="1961" kern="1200">
+                <a:solidFill>
+                  <a:schemeClr val="tx1"/>
+                </a:solidFill>
+                <a:latin typeface="+mn-lt"/>
+                <a:ea typeface="+mn-ea"/>
+                <a:cs typeface="+mn-cs"/>
+              </a:defRPr>
+            </a:lvl9pPr>
+          </a:lstStyle>
+          <a:p>
+            <a:pPr marL="0" indent="0" algn="l">
+              <a:buNone/>
+            </a:pPr>
+            <a:r>
+              <a:rPr lang="es-ES" sz="1800" dirty="0">
+                <a:solidFill>
+                  <a:srgbClr val="171717"/>
+                </a:solidFill>
+                <a:latin typeface="Segoe UI" panose="020B0502040204020203" pitchFamily="34" charset="0"/>
+              </a:rPr>
+              <a:t>No es imprescindible usar código XAML para definir la UI en .NET MAUI.</a:t>
+            </a:r>
+            <a:endParaRPr lang="es-ES" sz="1800" b="0" dirty="0">
+              <a:solidFill>
+                <a:srgbClr val="171717"/>
+              </a:solidFill>
+              <a:effectLst/>
+              <a:latin typeface="Segoe UI" panose="020B0502040204020203" pitchFamily="34" charset="0"/>
+            </a:endParaRPr>
+          </a:p>
+        </p:txBody>
+      </p:sp>
+      <p:sp>
+        <p:nvSpPr>
+          <p:cNvPr id="7" name="TextBox 6">
+            <a:extLst>
+              <a:ext uri="{FF2B5EF4-FFF2-40B4-BE49-F238E27FC236}">
+                <a16:creationId xmlns:a16="http://schemas.microsoft.com/office/drawing/2014/main" id="{AAC5E500-2393-4206-A376-5444C2D859A4}"/>
+              </a:ext>
+            </a:extLst>
+          </p:cNvPr>
+          <p:cNvSpPr txBox="1"/>
+          <p:nvPr/>
+        </p:nvSpPr>
+        <p:spPr>
+          <a:xfrm>
+            <a:off x="457200" y="2740546"/>
+            <a:ext cx="6537488" cy="923330"/>
+          </a:xfrm>
+          <a:prstGeom prst="rect">
+            <a:avLst/>
+          </a:prstGeom>
+          <a:noFill/>
+        </p:spPr>
+        <p:txBody>
+          <a:bodyPr wrap="square">
+            <a:spAutoFit/>
+          </a:bodyPr>
+          <a:lstStyle/>
+          <a:p>
+            <a:r>
+              <a:rPr lang="en-US" b="0" i="0" dirty="0">
+                <a:solidFill>
+                  <a:srgbClr val="0101FD"/>
+                </a:solidFill>
+                <a:effectLst/>
+                <a:latin typeface="SFMono-Regular"/>
+              </a:rPr>
+              <a:t>var</a:t>
+            </a:r>
+            <a:r>
+              <a:rPr lang="en-US" b="0" i="0" dirty="0">
+                <a:solidFill>
+                  <a:srgbClr val="171717"/>
+                </a:solidFill>
+                <a:effectLst/>
+                <a:latin typeface="SFMono-Regular"/>
+              </a:rPr>
+              <a:t> entry = </a:t>
+            </a:r>
+            <a:r>
+              <a:rPr lang="en-US" b="0" i="0" dirty="0">
+                <a:solidFill>
+                  <a:srgbClr val="0101FD"/>
+                </a:solidFill>
+                <a:effectLst/>
+                <a:latin typeface="SFMono-Regular"/>
+              </a:rPr>
+              <a:t>new</a:t>
+            </a:r>
+            <a:r>
+              <a:rPr lang="en-US" b="0" i="0" dirty="0">
+                <a:solidFill>
+                  <a:srgbClr val="171717"/>
+                </a:solidFill>
+                <a:effectLst/>
+                <a:latin typeface="SFMono-Regular"/>
+              </a:rPr>
+              <a:t> Entry(); </a:t>
+            </a:r>
+          </a:p>
+          <a:p>
+            <a:r>
+              <a:rPr lang="en-US" b="0" i="0" dirty="0" err="1">
+                <a:solidFill>
+                  <a:srgbClr val="171717"/>
+                </a:solidFill>
+                <a:effectLst/>
+                <a:latin typeface="SFMono-Regular"/>
+              </a:rPr>
+              <a:t>entry.WidthRequest</a:t>
+            </a:r>
+            <a:r>
+              <a:rPr lang="en-US" b="0" i="0" dirty="0">
+                <a:solidFill>
+                  <a:srgbClr val="171717"/>
+                </a:solidFill>
+                <a:effectLst/>
+                <a:latin typeface="SFMono-Regular"/>
+              </a:rPr>
+              <a:t> = 200; </a:t>
+            </a:r>
+          </a:p>
+          <a:p>
+            <a:r>
+              <a:rPr lang="en-US" b="0" i="0" dirty="0" err="1">
+                <a:solidFill>
+                  <a:srgbClr val="171717"/>
+                </a:solidFill>
+                <a:effectLst/>
+                <a:latin typeface="SFMono-Regular"/>
+              </a:rPr>
+              <a:t>entry.HeightRequest</a:t>
+            </a:r>
+            <a:r>
+              <a:rPr lang="en-US" b="0" i="0" dirty="0">
+                <a:solidFill>
+                  <a:srgbClr val="171717"/>
+                </a:solidFill>
+                <a:effectLst/>
+                <a:latin typeface="SFMono-Regular"/>
+              </a:rPr>
+              <a:t> = 40;</a:t>
+            </a:r>
+            <a:endParaRPr lang="en-US" dirty="0"/>
+          </a:p>
+        </p:txBody>
+      </p:sp>
+    </p:spTree>
+    <p:extLst>
+      <p:ext uri="{BB962C8B-B14F-4D97-AF65-F5344CB8AC3E}">
+        <p14:creationId xmlns:p14="http://schemas.microsoft.com/office/powerpoint/2010/main" val="3341130543"/>
+      </p:ext>
+    </p:extLst>
+  </p:cSld>
+  <p:clrMapOvr>
+    <a:masterClrMapping/>
+  </p:clrMapOvr>
+  <p:transition>
+    <p:fade/>
+  </p:transition>
+</p:sld>
+</file>
+
+<file path=ppt/slides/slide4.xml><?xml version="1.0" encoding="utf-8"?>
+<p:sld xmlns:a="http://schemas.openxmlformats.org/drawingml/2006/main" xmlns:r="http://schemas.openxmlformats.org/officeDocument/2006/relationships" xmlns:p="http://schemas.openxmlformats.org/presentationml/2006/main">
+  <p:cSld>
+    <p:spTree>
+      <p:nvGrpSpPr>
+        <p:cNvPr id="1" name=""/>
+        <p:cNvGrpSpPr/>
+        <p:nvPr/>
+      </p:nvGrpSpPr>
+      <p:grpSpPr>
+        <a:xfrm>
+          <a:off x="0" y="0"/>
+          <a:ext cx="0" cy="0"/>
+          <a:chOff x="0" y="0"/>
+          <a:chExt cx="0" cy="0"/>
+        </a:xfrm>
+      </p:grpSpPr>
+      <p:sp>
+        <p:nvSpPr>
+          <p:cNvPr id="3" name="Title 2">
+            <a:extLst>
+              <a:ext uri="{FF2B5EF4-FFF2-40B4-BE49-F238E27FC236}">
+                <a16:creationId xmlns:a16="http://schemas.microsoft.com/office/drawing/2014/main" id="{652E2BA4-9FC0-4828-A940-3704183398DF}"/>
+              </a:ext>
+            </a:extLst>
+          </p:cNvPr>
+          <p:cNvSpPr>
+            <a:spLocks noGrp="1"/>
+          </p:cNvSpPr>
+          <p:nvPr>
+            <p:ph type="title"/>
+          </p:nvPr>
+        </p:nvSpPr>
+        <p:spPr>
+          <a:xfrm>
+            <a:off x="718216" y="2497036"/>
+            <a:ext cx="10502900" cy="2074964"/>
+          </a:xfrm>
+        </p:spPr>
+        <p:txBody>
+          <a:bodyPr/>
+          <a:lstStyle/>
+          <a:p>
+            <a:r>
+              <a:rPr lang="es-ES" sz="7200" dirty="0">
+                <a:solidFill>
+                  <a:schemeClr val="bg1"/>
+                </a:solidFill>
+              </a:rPr>
+              <a:t>.NET MAUI </a:t>
+            </a:r>
+            <a:r>
+              <a:rPr lang="es-ES" sz="7200" dirty="0" err="1">
+                <a:solidFill>
+                  <a:schemeClr val="bg1"/>
+                </a:solidFill>
+              </a:rPr>
+              <a:t>Community</a:t>
+            </a:r>
+            <a:r>
+              <a:rPr lang="es-ES" sz="7200" dirty="0">
+                <a:solidFill>
+                  <a:schemeClr val="bg1"/>
+                </a:solidFill>
+              </a:rPr>
+              <a:t> </a:t>
+            </a:r>
+            <a:r>
+              <a:rPr lang="es-ES" sz="7200" dirty="0" err="1">
+                <a:solidFill>
+                  <a:schemeClr val="bg1"/>
+                </a:solidFill>
+              </a:rPr>
+              <a:t>Toolkit</a:t>
+            </a:r>
+            <a:endParaRPr lang="en-US" sz="7200" dirty="0">
+              <a:solidFill>
+                <a:schemeClr val="bg1"/>
+              </a:solidFill>
+            </a:endParaRPr>
+          </a:p>
+        </p:txBody>
+      </p:sp>
+    </p:spTree>
+    <p:extLst>
+      <p:ext uri="{BB962C8B-B14F-4D97-AF65-F5344CB8AC3E}">
+        <p14:creationId xmlns:p14="http://schemas.microsoft.com/office/powerpoint/2010/main" val="723412471"/>
+      </p:ext>
+    </p:extLst>
+  </p:cSld>
+  <p:clrMapOvr>
+    <a:masterClrMapping/>
+  </p:clrMapOvr>
+  <p:transition spd="med"/>
+</p:sld>
+</file>
+
+<file path=ppt/slides/slide5.xml><?xml version="1.0" encoding="utf-8"?>
+<p:sld xmlns:a="http://schemas.openxmlformats.org/drawingml/2006/main" xmlns:r="http://schemas.openxmlformats.org/officeDocument/2006/relationships" xmlns:p="http://schemas.openxmlformats.org/presentationml/2006/main">
+  <p:cSld>
+    <p:spTree>
+      <p:nvGrpSpPr>
+        <p:cNvPr id="1" name=""/>
+        <p:cNvGrpSpPr/>
+        <p:nvPr/>
+      </p:nvGrpSpPr>
+      <p:grpSpPr>
+        <a:xfrm>
+          <a:off x="0" y="0"/>
+          <a:ext cx="0" cy="0"/>
+          <a:chOff x="0" y="0"/>
+          <a:chExt cx="0" cy="0"/>
+        </a:xfrm>
+      </p:grpSpPr>
+      <p:sp>
+        <p:nvSpPr>
+          <p:cNvPr id="5" name="Title 1">
+            <a:extLst>
+              <a:ext uri="{FF2B5EF4-FFF2-40B4-BE49-F238E27FC236}">
+                <a16:creationId xmlns:a16="http://schemas.microsoft.com/office/drawing/2014/main" id="{01388D49-B47C-45BB-B53B-F6092580BE6E}"/>
+              </a:ext>
+            </a:extLst>
+          </p:cNvPr>
+          <p:cNvSpPr>
+            <a:spLocks noGrp="1"/>
+          </p:cNvSpPr>
+          <p:nvPr>
+            <p:ph type="title"/>
+          </p:nvPr>
+        </p:nvSpPr>
+        <p:spPr>
+          <a:xfrm>
+            <a:off x="457200" y="1123122"/>
+            <a:ext cx="7706412" cy="591378"/>
+          </a:xfrm>
+        </p:spPr>
+        <p:txBody>
+          <a:bodyPr>
+            <a:noAutofit/>
+          </a:bodyPr>
+          <a:lstStyle/>
+          <a:p>
+            <a:r>
+              <a:rPr lang="es-ES" sz="3200" dirty="0">
+                <a:latin typeface="Segoe UI Semibold"/>
+                <a:cs typeface="Segoe UI Semibold"/>
+              </a:rPr>
+              <a:t>C# </a:t>
+            </a:r>
+            <a:r>
+              <a:rPr lang="es-ES" sz="3200" dirty="0" err="1">
+                <a:latin typeface="Segoe UI Semibold"/>
+                <a:cs typeface="Segoe UI Semibold"/>
+              </a:rPr>
+              <a:t>Markup</a:t>
+            </a:r>
+            <a:endParaRPr lang="en-US" sz="3200" dirty="0"/>
+          </a:p>
+        </p:txBody>
+      </p:sp>
+      <p:sp>
+        <p:nvSpPr>
+          <p:cNvPr id="6" name="Content Placeholder 2">
+            <a:extLst>
+              <a:ext uri="{FF2B5EF4-FFF2-40B4-BE49-F238E27FC236}">
+                <a16:creationId xmlns:a16="http://schemas.microsoft.com/office/drawing/2014/main" id="{AC81F8B9-8203-4DB3-932F-AB15DF79780D}"/>
+              </a:ext>
+            </a:extLst>
+          </p:cNvPr>
+          <p:cNvSpPr txBox="1">
+            <a:spLocks/>
+          </p:cNvSpPr>
+          <p:nvPr/>
+        </p:nvSpPr>
+        <p:spPr>
+          <a:xfrm>
+            <a:off x="457200" y="2142642"/>
+            <a:ext cx="11222610" cy="2542480"/>
+          </a:xfrm>
+          <a:prstGeom prst="rect">
+            <a:avLst/>
+          </a:prstGeom>
+        </p:spPr>
+        <p:txBody>
+          <a:bodyPr vert="horz" lIns="91440" tIns="45720" rIns="91440" bIns="45720" rtlCol="0" anchor="t">
+            <a:noAutofit/>
+          </a:bodyPr>
+          <a:lstStyle>
+            <a:lvl1pPr marL="336145" marR="0" indent="-336145" algn="l" defTabSz="914367" rtl="0" eaLnBrk="1" fontAlgn="auto" latinLnBrk="0" hangingPunct="1">
+              <a:lnSpc>
+                <a:spcPct val="90000"/>
+              </a:lnSpc>
+              <a:spcBef>
+                <a:spcPct val="20000"/>
+              </a:spcBef>
+              <a:spcAft>
+                <a:spcPts val="0"/>
+              </a:spcAft>
+              <a:buClrTx/>
+              <a:buSzPct val="90000"/>
+              <a:buFont typeface="Arial" pitchFamily="34" charset="0"/>
+              <a:buChar char="•"/>
+              <a:tabLst/>
+              <a:defRPr sz="3921" kern="1200" spc="0" baseline="0">
+                <a:gradFill>
+                  <a:gsLst>
+                    <a:gs pos="1250">
+                      <a:schemeClr val="tx1"/>
+                    </a:gs>
+                    <a:gs pos="100000">
+                      <a:schemeClr val="tx1"/>
+                    </a:gs>
+                  </a:gsLst>
+                  <a:lin ang="5400000" scaled="0"/>
+                </a:gradFill>
+                <a:latin typeface="+mj-lt"/>
+                <a:ea typeface="+mn-ea"/>
+                <a:cs typeface="+mn-cs"/>
+              </a:defRPr>
+            </a:lvl1pPr>
+            <a:lvl2pPr marL="572691" marR="0" indent="-236546" algn="l" defTabSz="914367" rtl="0" eaLnBrk="1" fontAlgn="auto" latinLnBrk="0" hangingPunct="1">
+              <a:lnSpc>
+                <a:spcPct val="90000"/>
+              </a:lnSpc>
+              <a:spcBef>
+                <a:spcPct val="20000"/>
+              </a:spcBef>
+              <a:spcAft>
+                <a:spcPts val="0"/>
+              </a:spcAft>
+              <a:buClrTx/>
+              <a:buSzPct val="90000"/>
+              <a:buFont typeface="Arial" pitchFamily="34" charset="0"/>
+              <a:buChar char="•"/>
+              <a:tabLst/>
+              <a:defRPr sz="2353" kern="1200" spc="0" baseline="0">
+                <a:gradFill>
+                  <a:gsLst>
+                    <a:gs pos="1250">
+                      <a:schemeClr val="tx1"/>
+                    </a:gs>
+                    <a:gs pos="100000">
+                      <a:schemeClr val="tx1"/>
+                    </a:gs>
+                  </a:gsLst>
+                  <a:lin ang="5400000" scaled="0"/>
+                </a:gradFill>
+                <a:latin typeface="+mn-lt"/>
+                <a:ea typeface="+mn-ea"/>
+                <a:cs typeface="+mn-cs"/>
+              </a:defRPr>
+            </a:lvl2pPr>
+            <a:lvl3pPr marL="784338" marR="0" indent="-224097" algn="l" defTabSz="914367" rtl="0" eaLnBrk="1" fontAlgn="auto" latinLnBrk="0" hangingPunct="1">
+              <a:lnSpc>
+                <a:spcPct val="90000"/>
+              </a:lnSpc>
+              <a:spcBef>
+                <a:spcPct val="20000"/>
+              </a:spcBef>
+              <a:spcAft>
+                <a:spcPts val="0"/>
+              </a:spcAft>
+              <a:buClrTx/>
+              <a:buSzPct val="90000"/>
+              <a:buFont typeface="Arial" pitchFamily="34" charset="0"/>
+              <a:buChar char="•"/>
+              <a:tabLst/>
+              <a:defRPr sz="1961" kern="1200" spc="0" baseline="0">
+                <a:gradFill>
+                  <a:gsLst>
+                    <a:gs pos="1250">
+                      <a:schemeClr val="tx1"/>
+                    </a:gs>
+                    <a:gs pos="100000">
+                      <a:schemeClr val="tx1"/>
+                    </a:gs>
+                  </a:gsLst>
+                  <a:lin ang="5400000" scaled="0"/>
+                </a:gradFill>
+                <a:latin typeface="+mn-lt"/>
+                <a:ea typeface="+mn-ea"/>
+                <a:cs typeface="+mn-cs"/>
+              </a:defRPr>
+            </a:lvl3pPr>
+            <a:lvl4pPr marL="1008435" marR="0" indent="-224097" algn="l" defTabSz="914367" rtl="0" eaLnBrk="1" fontAlgn="auto" latinLnBrk="0" hangingPunct="1">
+              <a:lnSpc>
+                <a:spcPct val="90000"/>
+              </a:lnSpc>
+              <a:spcBef>
+                <a:spcPct val="20000"/>
+              </a:spcBef>
+              <a:spcAft>
+                <a:spcPts val="0"/>
+              </a:spcAft>
+              <a:buClrTx/>
+              <a:buSzPct val="90000"/>
+              <a:buFont typeface="Arial" pitchFamily="34" charset="0"/>
+              <a:buChar char="•"/>
+              <a:tabLst/>
+              <a:defRPr sz="1765" kern="1200" spc="0" baseline="0">
+                <a:gradFill>
+                  <a:gsLst>
+                    <a:gs pos="1250">
+                      <a:schemeClr val="tx1"/>
+                    </a:gs>
+                    <a:gs pos="100000">
+                      <a:schemeClr val="tx1"/>
+                    </a:gs>
+                  </a:gsLst>
+                  <a:lin ang="5400000" scaled="0"/>
+                </a:gradFill>
+                <a:latin typeface="+mn-lt"/>
+                <a:ea typeface="+mn-ea"/>
+                <a:cs typeface="+mn-cs"/>
+              </a:defRPr>
+            </a:lvl4pPr>
+            <a:lvl5pPr marL="1232531" marR="0" indent="-224097" algn="l" defTabSz="914367" rtl="0" eaLnBrk="1" fontAlgn="auto" latinLnBrk="0" hangingPunct="1">
+              <a:lnSpc>
+                <a:spcPct val="90000"/>
+              </a:lnSpc>
+              <a:spcBef>
+                <a:spcPct val="20000"/>
+              </a:spcBef>
+              <a:spcAft>
+                <a:spcPts val="0"/>
+              </a:spcAft>
+              <a:buClrTx/>
+              <a:buSzPct val="90000"/>
+              <a:buFont typeface="Arial" pitchFamily="34" charset="0"/>
+              <a:buChar char="•"/>
+              <a:tabLst/>
+              <a:defRPr sz="1765" kern="1200" spc="0" baseline="0">
+                <a:gradFill>
+                  <a:gsLst>
+                    <a:gs pos="1250">
+                      <a:schemeClr val="tx1"/>
+                    </a:gs>
+                    <a:gs pos="100000">
+                      <a:schemeClr val="tx1"/>
+                    </a:gs>
+                  </a:gsLst>
+                  <a:lin ang="5400000" scaled="0"/>
+                </a:gradFill>
+                <a:latin typeface="+mn-lt"/>
+                <a:ea typeface="+mn-ea"/>
+                <a:cs typeface="+mn-cs"/>
+              </a:defRPr>
+            </a:lvl5pPr>
+            <a:lvl6pPr marL="2514509" indent="-228592" algn="l" defTabSz="914367" rtl="0" eaLnBrk="1" latinLnBrk="0" hangingPunct="1">
+              <a:spcBef>
+                <a:spcPct val="20000"/>
+              </a:spcBef>
+              <a:buFont typeface="Arial" pitchFamily="34" charset="0"/>
+              <a:buChar char="•"/>
+              <a:defRPr sz="1961" kern="1200">
+                <a:solidFill>
+                  <a:schemeClr val="tx1"/>
+                </a:solidFill>
+                <a:latin typeface="+mn-lt"/>
+                <a:ea typeface="+mn-ea"/>
+                <a:cs typeface="+mn-cs"/>
+              </a:defRPr>
+            </a:lvl6pPr>
+            <a:lvl7pPr marL="2971693" indent="-228592" algn="l" defTabSz="914367" rtl="0" eaLnBrk="1" latinLnBrk="0" hangingPunct="1">
+              <a:spcBef>
+                <a:spcPct val="20000"/>
+              </a:spcBef>
+              <a:buFont typeface="Arial" pitchFamily="34" charset="0"/>
+              <a:buChar char="•"/>
+              <a:defRPr sz="1961" kern="1200">
+                <a:solidFill>
+                  <a:schemeClr val="tx1"/>
+                </a:solidFill>
+                <a:latin typeface="+mn-lt"/>
+                <a:ea typeface="+mn-ea"/>
+                <a:cs typeface="+mn-cs"/>
+              </a:defRPr>
+            </a:lvl7pPr>
+            <a:lvl8pPr marL="3428877" indent="-228592" algn="l" defTabSz="914367" rtl="0" eaLnBrk="1" latinLnBrk="0" hangingPunct="1">
+              <a:spcBef>
+                <a:spcPct val="20000"/>
+              </a:spcBef>
+              <a:buFont typeface="Arial" pitchFamily="34" charset="0"/>
+              <a:buChar char="•"/>
+              <a:defRPr sz="1961" kern="1200">
+                <a:solidFill>
+                  <a:schemeClr val="tx1"/>
+                </a:solidFill>
+                <a:latin typeface="+mn-lt"/>
+                <a:ea typeface="+mn-ea"/>
+                <a:cs typeface="+mn-cs"/>
+              </a:defRPr>
+            </a:lvl8pPr>
+            <a:lvl9pPr marL="3886061" indent="-228592" algn="l" defTabSz="914367" rtl="0" eaLnBrk="1" latinLnBrk="0" hangingPunct="1">
+              <a:spcBef>
+                <a:spcPct val="20000"/>
+              </a:spcBef>
+              <a:buFont typeface="Arial" pitchFamily="34" charset="0"/>
+              <a:buChar char="•"/>
+              <a:defRPr sz="1961" kern="1200">
+                <a:solidFill>
+                  <a:schemeClr val="tx1"/>
+                </a:solidFill>
+                <a:latin typeface="+mn-lt"/>
+                <a:ea typeface="+mn-ea"/>
+                <a:cs typeface="+mn-cs"/>
+              </a:defRPr>
+            </a:lvl9pPr>
+          </a:lstStyle>
+          <a:p>
+            <a:pPr marL="0" indent="0" algn="l">
+              <a:buNone/>
+            </a:pPr>
+            <a:r>
+              <a:rPr lang="es-ES" sz="1800" b="0" i="0" dirty="0">
+                <a:solidFill>
+                  <a:srgbClr val="171717"/>
+                </a:solidFill>
+                <a:effectLst/>
+                <a:latin typeface="Segoe UI" panose="020B0502040204020203" pitchFamily="34" charset="0"/>
+              </a:rPr>
+              <a:t>El C#  </a:t>
+            </a:r>
+            <a:r>
+              <a:rPr lang="es-ES" sz="1800" b="0" i="0" dirty="0" err="1">
+                <a:solidFill>
+                  <a:srgbClr val="171717"/>
+                </a:solidFill>
+                <a:effectLst/>
+                <a:latin typeface="Segoe UI" panose="020B0502040204020203" pitchFamily="34" charset="0"/>
+              </a:rPr>
+              <a:t>Markup</a:t>
+            </a:r>
+            <a:r>
+              <a:rPr lang="es-ES" sz="1800" b="0" i="0" dirty="0">
+                <a:solidFill>
+                  <a:srgbClr val="171717"/>
+                </a:solidFill>
+                <a:effectLst/>
+                <a:latin typeface="Segoe UI" panose="020B0502040204020203" pitchFamily="34" charset="0"/>
+              </a:rPr>
+              <a:t> es un conjunto de métodos y clases auxiliares diseñados para simplificar el proceso de creación de interfaces de usuario de aplicaciones .NET MAUI usando código C#. La API fluida proporcionada por el marcado de C# está disponible en el espacio de nombres </a:t>
+            </a:r>
+            <a:r>
+              <a:rPr lang="es-ES" sz="1800" b="1" i="0" dirty="0" err="1">
+                <a:solidFill>
+                  <a:srgbClr val="171717"/>
+                </a:solidFill>
+                <a:effectLst/>
+                <a:latin typeface="Segoe UI" panose="020B0502040204020203" pitchFamily="34" charset="0"/>
+              </a:rPr>
+              <a:t>CommunityToolkit.Maui.Markup</a:t>
+            </a:r>
+            <a:r>
+              <a:rPr lang="es-ES" sz="1800" b="0" i="0" dirty="0">
+                <a:solidFill>
+                  <a:srgbClr val="171717"/>
+                </a:solidFill>
+                <a:effectLst/>
+                <a:latin typeface="Segoe UI" panose="020B0502040204020203" pitchFamily="34" charset="0"/>
+              </a:rPr>
+              <a:t>.</a:t>
+            </a:r>
+          </a:p>
+          <a:p>
+            <a:pPr marL="0" indent="0" algn="l">
+              <a:buNone/>
+            </a:pPr>
+            <a:endParaRPr lang="es-ES" sz="1800" dirty="0">
+              <a:solidFill>
+                <a:srgbClr val="171717"/>
+              </a:solidFill>
+              <a:latin typeface="Segoe UI" panose="020B0502040204020203" pitchFamily="34" charset="0"/>
+            </a:endParaRPr>
+          </a:p>
+          <a:p>
+            <a:pPr marL="0" indent="0" algn="l">
+              <a:buNone/>
+            </a:pPr>
+            <a:endParaRPr lang="es-ES" sz="1800" dirty="0">
+              <a:solidFill>
+                <a:srgbClr val="171717"/>
+              </a:solidFill>
+              <a:latin typeface="Segoe UI" panose="020B0502040204020203" pitchFamily="34" charset="0"/>
+            </a:endParaRPr>
+          </a:p>
+          <a:p>
+            <a:pPr marL="0" indent="0" algn="l">
+              <a:buNone/>
+            </a:pPr>
+            <a:endParaRPr lang="es-ES" sz="1800" b="0" dirty="0">
+              <a:solidFill>
+                <a:srgbClr val="171717"/>
+              </a:solidFill>
+              <a:effectLst/>
+              <a:latin typeface="Segoe UI" panose="020B0502040204020203" pitchFamily="34" charset="0"/>
+            </a:endParaRPr>
+          </a:p>
+          <a:p>
+            <a:pPr marL="0" indent="0" algn="l">
+              <a:buNone/>
+            </a:pPr>
+            <a:r>
+              <a:rPr lang="es-ES" sz="1800" b="0" dirty="0">
+                <a:solidFill>
+                  <a:srgbClr val="171717"/>
+                </a:solidFill>
+                <a:effectLst/>
+                <a:latin typeface="Segoe UI" panose="020B0502040204020203" pitchFamily="34" charset="0"/>
+              </a:rPr>
+              <a:t>Se incluyen una gran cantidad de métodos de extensión que establecen propiedades de vista específicas. Están diseñados para mejorar la </a:t>
+            </a:r>
+            <a:r>
+              <a:rPr lang="es-ES" sz="1800" b="1" dirty="0">
+                <a:solidFill>
+                  <a:srgbClr val="171717"/>
+                </a:solidFill>
+                <a:effectLst/>
+                <a:latin typeface="Segoe UI" panose="020B0502040204020203" pitchFamily="34" charset="0"/>
+              </a:rPr>
+              <a:t>legibilidad</a:t>
+            </a:r>
+            <a:r>
+              <a:rPr lang="es-ES" sz="1800" b="0" dirty="0">
+                <a:solidFill>
+                  <a:srgbClr val="171717"/>
+                </a:solidFill>
+                <a:effectLst/>
+                <a:latin typeface="Segoe UI" panose="020B0502040204020203" pitchFamily="34" charset="0"/>
+              </a:rPr>
+              <a:t> del código.</a:t>
+            </a:r>
+          </a:p>
+        </p:txBody>
+      </p:sp>
+      <p:sp>
+        <p:nvSpPr>
+          <p:cNvPr id="8" name="TextBox 7">
+            <a:extLst>
+              <a:ext uri="{FF2B5EF4-FFF2-40B4-BE49-F238E27FC236}">
+                <a16:creationId xmlns:a16="http://schemas.microsoft.com/office/drawing/2014/main" id="{0A8DA9A6-142A-4EC3-8EBE-BC972B777AE2}"/>
+              </a:ext>
+            </a:extLst>
+          </p:cNvPr>
+          <p:cNvSpPr txBox="1"/>
+          <p:nvPr/>
+        </p:nvSpPr>
+        <p:spPr>
+          <a:xfrm>
+            <a:off x="1815052" y="6171903"/>
+            <a:ext cx="8561895" cy="369332"/>
+          </a:xfrm>
+          <a:prstGeom prst="rect">
+            <a:avLst/>
+          </a:prstGeom>
+          <a:noFill/>
+        </p:spPr>
+        <p:txBody>
+          <a:bodyPr wrap="square">
+            <a:spAutoFit/>
+          </a:bodyPr>
+          <a:lstStyle/>
+          <a:p>
+            <a:r>
+              <a:rPr lang="en-US" dirty="0">
+                <a:solidFill>
+                  <a:schemeClr val="accent3">
+                    <a:lumMod val="75000"/>
+                  </a:schemeClr>
+                </a:solidFill>
+              </a:rPr>
+              <a:t>https://docs.microsoft.com/es-es/dotnet/communitytoolkit/maui/markup/markup</a:t>
+            </a:r>
+          </a:p>
+        </p:txBody>
+      </p:sp>
+      <p:sp>
+        <p:nvSpPr>
+          <p:cNvPr id="9" name="TextBox 8">
+            <a:extLst>
+              <a:ext uri="{FF2B5EF4-FFF2-40B4-BE49-F238E27FC236}">
+                <a16:creationId xmlns:a16="http://schemas.microsoft.com/office/drawing/2014/main" id="{ADF8E79C-8B78-40A3-8786-5F6EDF864814}"/>
+              </a:ext>
+            </a:extLst>
+          </p:cNvPr>
+          <p:cNvSpPr txBox="1"/>
+          <p:nvPr/>
+        </p:nvSpPr>
+        <p:spPr>
+          <a:xfrm>
+            <a:off x="512190" y="3201281"/>
+            <a:ext cx="6537488" cy="369332"/>
+          </a:xfrm>
+          <a:prstGeom prst="rect">
+            <a:avLst/>
+          </a:prstGeom>
+          <a:noFill/>
+        </p:spPr>
+        <p:txBody>
+          <a:bodyPr wrap="square">
+            <a:spAutoFit/>
+          </a:bodyPr>
+          <a:lstStyle/>
+          <a:p>
+            <a:r>
+              <a:rPr lang="en-US" b="0" i="0" dirty="0">
+                <a:solidFill>
+                  <a:srgbClr val="0101FD"/>
+                </a:solidFill>
+                <a:effectLst/>
+                <a:latin typeface="SFMono-Regular"/>
+              </a:rPr>
+              <a:t>new</a:t>
+            </a:r>
+            <a:r>
+              <a:rPr lang="en-US" b="0" i="0" dirty="0">
+                <a:solidFill>
+                  <a:srgbClr val="171717"/>
+                </a:solidFill>
+                <a:effectLst/>
+                <a:latin typeface="SFMono-Regular"/>
+              </a:rPr>
+              <a:t> Entry().Size(200, 40);</a:t>
+            </a:r>
+            <a:endParaRPr lang="en-US" dirty="0"/>
+          </a:p>
+        </p:txBody>
+      </p:sp>
+    </p:spTree>
+    <p:extLst>
+      <p:ext uri="{BB962C8B-B14F-4D97-AF65-F5344CB8AC3E}">
+        <p14:creationId xmlns:p14="http://schemas.microsoft.com/office/powerpoint/2010/main" val="2031258699"/>
+      </p:ext>
+    </p:extLst>
+  </p:cSld>
+  <p:clrMapOvr>
+    <a:masterClrMapping/>
+  </p:clrMapOvr>
+  <p:transition>
+    <p:fade/>
+  </p:transition>
+</p:sld>
+</file>
+
+<file path=ppt/slides/slide6.xml><?xml version="1.0" encoding="utf-8"?>
 <p:sld xmlns:a="http://schemas.openxmlformats.org/drawingml/2006/main" xmlns:r="http://schemas.openxmlformats.org/officeDocument/2006/relationships" xmlns:p="http://schemas.openxmlformats.org/presentationml/2006/main">
   <p:cSld>
     <p:spTree>
